--- a/docs/content/HowApplicableFscx.pptx
+++ b/docs/content/HowApplicableFscx.pptx
@@ -5,8 +5,9 @@
     <p:sldMasterId id="2147483648" r:id="rId1"/>
   </p:sldMasterIdLst>
   <p:sldIdLst>
-    <p:sldId id="257" r:id="rId2"/>
-    <p:sldId id="256" r:id="rId3"/>
+    <p:sldId id="260" r:id="rId2"/>
+    <p:sldId id="261" r:id="rId3"/>
+    <p:sldId id="256" r:id="rId4"/>
   </p:sldIdLst>
   <p:sldSz cx="12192000" cy="6858000"/>
   <p:notesSz cx="6858000" cy="9144000"/>
@@ -105,6 +106,11 @@
       </a:defRPr>
     </a:lvl9pPr>
   </p:defaultTextStyle>
+  <p:extLst>
+    <p:ext uri="{EFAFB233-063F-42B5-8137-9DF3F51BA10A}">
+      <p15:sldGuideLst xmlns:p15="http://schemas.microsoft.com/office/powerpoint/2012/main"/>
+    </p:ext>
+  </p:extLst>
 </p:presentation>
 </file>
 
@@ -334,7 +340,7 @@
           <a:p>
             <a:fld id="{5A069CB8-F204-4D06-B913-C5A26A89888A}" type="datetimeFigureOut">
               <a:rPr lang="en-US"/>
-              <a:t>8/25/2016</a:t>
+              <a:t>9/16/2016</a:t>
             </a:fld>
             <a:endParaRPr lang="en-US"/>
           </a:p>
@@ -569,7 +575,7 @@
           <a:p>
             <a:fld id="{50B6E300-0A13-4A81-945A-7333C271A069}" type="datetimeFigureOut">
               <a:rPr lang="en-US"/>
-              <a:t>8/25/2016</a:t>
+              <a:t>9/16/2016</a:t>
             </a:fld>
             <a:endParaRPr lang="en-US"/>
           </a:p>
@@ -852,7 +858,7 @@
           <a:p>
             <a:fld id="{34671962-1EA4-46E7-BCB0-F36CE46D1A59}" type="datetimeFigureOut">
               <a:rPr lang="en-US"/>
-              <a:t>8/25/2016</a:t>
+              <a:t>9/16/2016</a:t>
             </a:fld>
             <a:endParaRPr lang="en-US"/>
           </a:p>
@@ -1049,7 +1055,7 @@
           <a:p>
             <a:fld id="{D30BB376-B19C-488D-ABEB-03C7E6E9E3E0}" type="datetimeFigureOut">
               <a:rPr lang="en-US"/>
-              <a:t>8/25/2016</a:t>
+              <a:t>9/16/2016</a:t>
             </a:fld>
             <a:endParaRPr lang="en-US"/>
           </a:p>
@@ -1387,7 +1393,7 @@
           <a:p>
             <a:fld id="{486F077B-A50F-4D64-8574-E2D6A98A5553}" type="datetimeFigureOut">
               <a:rPr lang="en-US"/>
-              <a:t>8/25/2016</a:t>
+              <a:t>9/16/2016</a:t>
             </a:fld>
             <a:endParaRPr lang="en-US"/>
           </a:p>
@@ -1721,7 +1727,7 @@
           <a:p>
             <a:fld id="{7D9E2A62-1983-43A1-A163-D8AA46534C80}" type="datetimeFigureOut">
               <a:rPr lang="en-US"/>
-              <a:t>8/25/2016</a:t>
+              <a:t>9/16/2016</a:t>
             </a:fld>
             <a:endParaRPr lang="en-US"/>
           </a:p>
@@ -2159,7 +2165,7 @@
           <a:p>
             <a:fld id="{898F3E3B-34E3-4345-B2A1-994B83598A9C}" type="datetimeFigureOut">
               <a:rPr lang="en-US"/>
-              <a:t>8/25/2016</a:t>
+              <a:t>9/16/2016</a:t>
             </a:fld>
             <a:endParaRPr lang="en-US"/>
           </a:p>
@@ -2272,7 +2278,7 @@
           <a:p>
             <a:fld id="{FD816C96-82A1-4D77-8ADA-627AC6FE3D65}" type="datetimeFigureOut">
               <a:rPr lang="en-US"/>
-              <a:t>8/25/2016</a:t>
+              <a:t>9/16/2016</a:t>
             </a:fld>
             <a:endParaRPr lang="en-US"/>
           </a:p>
@@ -2438,7 +2444,7 @@
           <a:p>
             <a:fld id="{1D102C1E-28F2-47E9-802D-339E64E2F920}" type="datetimeFigureOut">
               <a:rPr lang="en-US"/>
-              <a:t>8/25/2016</a:t>
+              <a:t>9/16/2016</a:t>
             </a:fld>
             <a:endParaRPr lang="en-US"/>
           </a:p>
@@ -2820,7 +2826,7 @@
           <a:p>
             <a:fld id="{24271A48-F18A-45B3-BC05-1E27DA3F88AF}" type="datetimeFigureOut">
               <a:rPr lang="en-US"/>
-              <a:t>8/25/2016</a:t>
+              <a:t>9/16/2016</a:t>
             </a:fld>
             <a:endParaRPr lang="en-US"/>
           </a:p>
@@ -3193,7 +3199,7 @@
           <a:p>
             <a:fld id="{65B747F8-9654-4282-85D2-65F41AAE7A75}" type="datetimeFigureOut">
               <a:rPr lang="en-US"/>
-              <a:t>8/25/2016</a:t>
+              <a:t>9/16/2016</a:t>
             </a:fld>
             <a:endParaRPr lang="en-US"/>
           </a:p>
@@ -3507,7 +3513,7 @@
           <a:p>
             <a:fld id="{5DC5B261-8843-42D1-AAFC-05E20E2D9B97}" type="datetimeFigureOut">
               <a:rPr lang="en-US"/>
-              <a:t>8/25/2016</a:t>
+              <a:t>9/16/2016</a:t>
             </a:fld>
             <a:endParaRPr lang="en-US"/>
           </a:p>
@@ -4052,7 +4058,7 @@
           <a:p>
             <a:r>
               <a:rPr kumimoji="1" lang="en-US" altLang="ja-JP"/>
-              <a:t>How applicable fscx? (For filter users)</a:t>
+              <a:t>How fscx works? (For filter users)</a:t>
             </a:r>
             <a:endParaRPr kumimoji="1" lang="ja-JP" altLang="en-US"/>
           </a:p>
@@ -4066,7 +4072,7 @@
         </p:nvSpPr>
         <p:spPr>
           <a:xfrm>
-            <a:off x="3446947" y="4367214"/>
+            <a:off x="2832797" y="2975143"/>
             <a:ext cx="2286000" cy="790575"/>
           </a:xfrm>
           <a:prstGeom prst="cube">
@@ -4124,8 +4130,8 @@
         </p:nvSpPr>
         <p:spPr>
           <a:xfrm>
-            <a:off x="6940345" y="3005226"/>
-            <a:ext cx="1036320" cy="601579"/>
+            <a:off x="5001102" y="1558253"/>
+            <a:ext cx="3785934" cy="601579"/>
           </a:xfrm>
           <a:prstGeom prst="cube">
             <a:avLst>
@@ -4164,7 +4170,7 @@
             <a:pPr algn="ctr"/>
             <a:r>
               <a:rPr kumimoji="1" lang="en-US" altLang="ja-JP"/>
-              <a:t>fscx</a:t>
+              <a:t>FSharp.Expandable.Compiler.Build</a:t>
             </a:r>
             <a:endParaRPr kumimoji="1" lang="ja-JP" altLang="en-US"/>
           </a:p>
@@ -4178,7 +4184,7 @@
         </p:nvSpPr>
         <p:spPr>
           <a:xfrm>
-            <a:off x="6126480" y="5157789"/>
+            <a:off x="5576023" y="4205559"/>
             <a:ext cx="2581500" cy="874295"/>
           </a:xfrm>
           <a:prstGeom prst="foldedCorner">
@@ -4227,8 +4233,8 @@
         </p:nvCxnSpPr>
         <p:spPr>
           <a:xfrm rot="16200000" flipV="1">
-            <a:off x="6358110" y="4098668"/>
-            <a:ext cx="356617" cy="1761625"/>
+            <a:off x="5555885" y="2894671"/>
+            <a:ext cx="796458" cy="1825318"/>
           </a:xfrm>
           <a:prstGeom prst="bentConnector2">
             <a:avLst/>
@@ -4259,25 +4265,23 @@
         <p:nvCxnSpPr>
           <p:cNvPr id="33" name="コネクタ: カギ線 32"/>
           <p:cNvCxnSpPr>
-            <a:stCxn id="29" idx="0"/>
             <a:endCxn id="26" idx="3"/>
           </p:cNvCxnSpPr>
           <p:nvPr/>
         </p:nvCxnSpPr>
         <p:spPr>
-          <a:xfrm rot="5400000" flipH="1" flipV="1">
-            <a:off x="6641741" y="4382294"/>
-            <a:ext cx="1550984" cy="7"/>
-          </a:xfrm>
-          <a:prstGeom prst="bentConnector3">
-            <a:avLst>
-              <a:gd name="adj1" fmla="val 50000"/>
-            </a:avLst>
+          <a:xfrm flipV="1">
+            <a:off x="5118797" y="2159832"/>
+            <a:ext cx="1734004" cy="983315"/>
+          </a:xfrm>
+          <a:prstGeom prst="bentConnector2">
+            <a:avLst/>
           </a:prstGeom>
           <a:ln w="38100">
             <a:solidFill>
               <a:srgbClr val="FF0000"/>
             </a:solidFill>
+            <a:prstDash val="sysDash"/>
             <a:tailEnd type="triangle" w="lg" len="lg"/>
           </a:ln>
         </p:spPr>
@@ -4304,7 +4308,7 @@
         </p:nvSpPr>
         <p:spPr>
           <a:xfrm>
-            <a:off x="9745517" y="5470109"/>
+            <a:off x="9221539" y="4684407"/>
             <a:ext cx="1859738" cy="1123950"/>
           </a:xfrm>
           <a:prstGeom prst="can">
@@ -4356,7 +4360,7 @@
         </p:nvSpPr>
         <p:spPr>
           <a:xfrm rot="17429209">
-            <a:off x="8873915" y="5121434"/>
+            <a:off x="8342473" y="4230164"/>
             <a:ext cx="684306" cy="1342452"/>
           </a:xfrm>
           <a:prstGeom prst="downArrow">
@@ -4396,13 +4400,13 @@
         </p:nvSpPr>
         <p:spPr>
           <a:xfrm>
-            <a:off x="7838347" y="4326240"/>
-            <a:ext cx="4105275" cy="554365"/>
+            <a:off x="7327455" y="2892759"/>
+            <a:ext cx="4105275" cy="767087"/>
           </a:xfrm>
           <a:prstGeom prst="wedgeRoundRectCallout">
             <a:avLst>
-              <a:gd name="adj1" fmla="val -58775"/>
-              <a:gd name="adj2" fmla="val 50457"/>
+              <a:gd name="adj1" fmla="val -60105"/>
+              <a:gd name="adj2" fmla="val 46899"/>
               <a:gd name="adj3" fmla="val 16667"/>
             </a:avLst>
           </a:prstGeom>
@@ -4438,7 +4442,126 @@
             <a:pPr algn="ctr"/>
             <a:r>
               <a:rPr kumimoji="1" lang="en-US" altLang="ja-JP"/>
+              <a:t>2) Install your F# project:</a:t>
+            </a:r>
+          </a:p>
+          <a:p>
+            <a:pPr algn="ctr"/>
+            <a:r>
+              <a:rPr kumimoji="1" lang="en-US" altLang="ja-JP"/>
               <a:t>PM&gt; Install-Package sample-filter.nupkg</a:t>
+            </a:r>
+            <a:endParaRPr kumimoji="1" lang="ja-JP" altLang="en-US"/>
+          </a:p>
+        </p:txBody>
+      </p:sp>
+      <p:sp>
+        <p:nvSpPr>
+          <p:cNvPr id="25" name="吹き出し: 角を丸めた四角形 24"/>
+          <p:cNvSpPr/>
+          <p:nvPr/>
+        </p:nvSpPr>
+        <p:spPr>
+          <a:xfrm>
+            <a:off x="742036" y="1924336"/>
+            <a:ext cx="3352294" cy="789862"/>
+          </a:xfrm>
+          <a:prstGeom prst="wedgeRoundRectCallout">
+            <a:avLst>
+              <a:gd name="adj1" fmla="val 44215"/>
+              <a:gd name="adj2" fmla="val 101851"/>
+              <a:gd name="adj3" fmla="val 16667"/>
+            </a:avLst>
+          </a:prstGeom>
+          <a:solidFill>
+            <a:srgbClr val="00B050"/>
+          </a:solidFill>
+          <a:ln>
+            <a:solidFill>
+              <a:srgbClr val="007E0C"/>
+            </a:solidFill>
+          </a:ln>
+        </p:spPr>
+        <p:style>
+          <a:lnRef idx="2">
+            <a:schemeClr val="accent1">
+              <a:shade val="50000"/>
+            </a:schemeClr>
+          </a:lnRef>
+          <a:fillRef idx="1">
+            <a:schemeClr val="accent1"/>
+          </a:fillRef>
+          <a:effectRef idx="0">
+            <a:schemeClr val="accent1"/>
+          </a:effectRef>
+          <a:fontRef idx="minor">
+            <a:schemeClr val="lt1"/>
+          </a:fontRef>
+        </p:style>
+        <p:txBody>
+          <a:bodyPr rtlCol="0" anchor="ctr"/>
+          <a:lstStyle/>
+          <a:p>
+            <a:pPr algn="ctr"/>
+            <a:r>
+              <a:rPr kumimoji="1" lang="en-US" altLang="ja-JP"/>
+              <a:t>1) You are finding interest filter NuGet package...</a:t>
+            </a:r>
+            <a:endParaRPr kumimoji="1" lang="ja-JP" altLang="en-US"/>
+          </a:p>
+        </p:txBody>
+      </p:sp>
+      <p:sp>
+        <p:nvSpPr>
+          <p:cNvPr id="27" name="吹き出し: 角を丸めた四角形 26"/>
+          <p:cNvSpPr/>
+          <p:nvPr/>
+        </p:nvSpPr>
+        <p:spPr>
+          <a:xfrm>
+            <a:off x="4552405" y="5291932"/>
+            <a:ext cx="3471139" cy="691380"/>
+          </a:xfrm>
+          <a:prstGeom prst="wedgeRoundRectCallout">
+            <a:avLst>
+              <a:gd name="adj1" fmla="val 66112"/>
+              <a:gd name="adj2" fmla="val -63644"/>
+              <a:gd name="adj3" fmla="val 16667"/>
+            </a:avLst>
+          </a:prstGeom>
+          <a:solidFill>
+            <a:srgbClr val="00B050"/>
+          </a:solidFill>
+          <a:ln>
+            <a:solidFill>
+              <a:srgbClr val="007E0C"/>
+            </a:solidFill>
+          </a:ln>
+        </p:spPr>
+        <p:style>
+          <a:lnRef idx="2">
+            <a:schemeClr val="accent1">
+              <a:shade val="50000"/>
+            </a:schemeClr>
+          </a:lnRef>
+          <a:fillRef idx="1">
+            <a:schemeClr val="accent1"/>
+          </a:fillRef>
+          <a:effectRef idx="0">
+            <a:schemeClr val="accent1"/>
+          </a:effectRef>
+          <a:fontRef idx="minor">
+            <a:schemeClr val="lt1"/>
+          </a:fontRef>
+        </p:style>
+        <p:txBody>
+          <a:bodyPr rtlCol="0" anchor="ctr"/>
+          <a:lstStyle/>
+          <a:p>
+            <a:pPr algn="ctr"/>
+            <a:r>
+              <a:rPr kumimoji="1" lang="en-US" altLang="ja-JP"/>
+              <a:t>3) Build implicitly using fscx…</a:t>
             </a:r>
             <a:endParaRPr kumimoji="1" lang="ja-JP" altLang="en-US"/>
           </a:p>
@@ -4447,7 +4570,7 @@
     </p:spTree>
     <p:extLst>
       <p:ext uri="{BB962C8B-B14F-4D97-AF65-F5344CB8AC3E}">
-        <p14:creationId xmlns:p14="http://schemas.microsoft.com/office/powerpoint/2010/main" val="19263742"/>
+        <p14:creationId xmlns:p14="http://schemas.microsoft.com/office/powerpoint/2010/main" val="2636308559"/>
       </p:ext>
     </p:extLst>
   </p:cSld>
@@ -4498,7 +4621,7 @@
           <a:p>
             <a:r>
               <a:rPr kumimoji="1" lang="en-US" altLang="ja-JP"/>
-              <a:t>How applicable fscx? (For filter developer)</a:t>
+              <a:t>How fscx works? (For filter developer)</a:t>
             </a:r>
             <a:endParaRPr kumimoji="1" lang="ja-JP" altLang="en-US"/>
           </a:p>
@@ -4512,7 +4635,7 @@
         </p:nvSpPr>
         <p:spPr>
           <a:xfrm>
-            <a:off x="3386789" y="3033964"/>
+            <a:off x="4005913" y="3741614"/>
             <a:ext cx="2406316" cy="874295"/>
           </a:xfrm>
           <a:prstGeom prst="foldedCorner">
@@ -4574,7 +4697,7 @@
         </p:nvSpPr>
         <p:spPr>
           <a:xfrm>
-            <a:off x="478155" y="2201781"/>
+            <a:off x="1097279" y="2909431"/>
             <a:ext cx="3561348" cy="601579"/>
           </a:xfrm>
           <a:prstGeom prst="cube">
@@ -4628,7 +4751,7 @@
         </p:nvSpPr>
         <p:spPr>
           <a:xfrm>
-            <a:off x="478155" y="1369598"/>
+            <a:off x="1094898" y="1562700"/>
             <a:ext cx="3561348" cy="601579"/>
           </a:xfrm>
           <a:prstGeom prst="cube">
@@ -4678,23 +4801,26 @@
         <p:nvCxnSpPr>
           <p:cNvPr id="8" name="コネクタ: カギ線 7"/>
           <p:cNvCxnSpPr>
-            <a:stCxn id="4" idx="0"/>
-            <a:endCxn id="6" idx="4"/>
+            <a:stCxn id="5" idx="1"/>
+            <a:endCxn id="6" idx="3"/>
           </p:cNvCxnSpPr>
           <p:nvPr/>
         </p:nvCxnSpPr>
         <p:spPr>
           <a:xfrm rot="16200000" flipV="1">
-            <a:off x="3619446" y="2063463"/>
-            <a:ext cx="1336596" cy="604406"/>
-          </a:xfrm>
-          <a:prstGeom prst="bentConnector2">
-            <a:avLst/>
+            <a:off x="2450225" y="2562645"/>
+            <a:ext cx="799114" cy="2381"/>
+          </a:xfrm>
+          <a:prstGeom prst="bentConnector3">
+            <a:avLst>
+              <a:gd name="adj1" fmla="val 50000"/>
+            </a:avLst>
           </a:prstGeom>
           <a:ln w="38100">
             <a:solidFill>
               <a:srgbClr val="FF0000"/>
             </a:solidFill>
+            <a:prstDash val="sysDash"/>
             <a:tailEnd type="triangle" w="lg" len="lg"/>
           </a:ln>
         </p:spPr>
@@ -4724,7 +4850,7 @@
         </p:nvCxnSpPr>
         <p:spPr>
           <a:xfrm rot="16200000" flipV="1">
-            <a:off x="4035538" y="2479555"/>
+            <a:off x="4654662" y="3187205"/>
             <a:ext cx="504413" cy="604406"/>
           </a:xfrm>
           <a:prstGeom prst="bentConnector2">
@@ -4760,13 +4886,13 @@
         </p:nvSpPr>
         <p:spPr>
           <a:xfrm>
-            <a:off x="5059680" y="1369598"/>
-            <a:ext cx="5743575" cy="554365"/>
+            <a:off x="5795123" y="2527299"/>
+            <a:ext cx="5743575" cy="821831"/>
           </a:xfrm>
           <a:prstGeom prst="wedgeRoundRectCallout">
             <a:avLst>
-              <a:gd name="adj1" fmla="val -57151"/>
-              <a:gd name="adj2" fmla="val 43584"/>
+              <a:gd name="adj1" fmla="val -58478"/>
+              <a:gd name="adj2" fmla="val 48220"/>
               <a:gd name="adj3" fmla="val 16667"/>
             </a:avLst>
           </a:prstGeom>
@@ -4802,6 +4928,13 @@
             <a:pPr algn="ctr"/>
             <a:r>
               <a:rPr kumimoji="1" lang="en-US" altLang="ja-JP"/>
+              <a:t>1) Start developing, install core library:</a:t>
+            </a:r>
+          </a:p>
+          <a:p>
+            <a:pPr algn="ctr"/>
+            <a:r>
+              <a:rPr kumimoji="1" lang="en-US" altLang="ja-JP"/>
               <a:t>PM&gt; Install-Package </a:t>
             </a:r>
             <a:r>
@@ -4820,7 +4953,7 @@
         </p:nvSpPr>
         <p:spPr>
           <a:xfrm>
-            <a:off x="3446947" y="4367214"/>
+            <a:off x="4066071" y="5074864"/>
             <a:ext cx="2286000" cy="790575"/>
           </a:xfrm>
           <a:prstGeom prst="cube">
@@ -4878,7 +5011,7 @@
         </p:nvSpPr>
         <p:spPr>
           <a:xfrm>
-            <a:off x="4259169" y="3790950"/>
+            <a:off x="4878293" y="4498600"/>
             <a:ext cx="684306" cy="723900"/>
           </a:xfrm>
           <a:prstGeom prst="downArrow">
@@ -4918,13 +5051,13 @@
         </p:nvSpPr>
         <p:spPr>
           <a:xfrm>
-            <a:off x="144976" y="4090031"/>
-            <a:ext cx="3722370" cy="554365"/>
+            <a:off x="6949000" y="4802859"/>
+            <a:ext cx="3722370" cy="857372"/>
           </a:xfrm>
           <a:prstGeom prst="wedgeRoundRectCallout">
             <a:avLst>
-              <a:gd name="adj1" fmla="val 66442"/>
-              <a:gd name="adj2" fmla="val -52634"/>
+              <a:gd name="adj1" fmla="val -69006"/>
+              <a:gd name="adj2" fmla="val -45228"/>
               <a:gd name="adj3" fmla="val 16667"/>
             </a:avLst>
           </a:prstGeom>
@@ -4960,26 +5093,191 @@
             <a:pPr algn="ctr"/>
             <a:r>
               <a:rPr kumimoji="1" lang="en-US" altLang="ja-JP"/>
+              <a:t>2) Pack to NuGet package:</a:t>
+            </a:r>
+          </a:p>
+          <a:p>
+            <a:pPr algn="ctr"/>
+            <a:r>
+              <a:rPr kumimoji="1" lang="en-US" altLang="ja-JP"/>
               <a:t>nuget.exe pack sample-filter.nuspec</a:t>
             </a:r>
             <a:endParaRPr kumimoji="1" lang="ja-JP" altLang="en-US"/>
           </a:p>
         </p:txBody>
       </p:sp>
-      <p:sp>
-        <p:nvSpPr>
-          <p:cNvPr id="26" name="直方体 25"/>
+    </p:spTree>
+    <p:extLst>
+      <p:ext uri="{BB962C8B-B14F-4D97-AF65-F5344CB8AC3E}">
+        <p14:creationId xmlns:p14="http://schemas.microsoft.com/office/powerpoint/2010/main" val="2077893287"/>
+      </p:ext>
+    </p:extLst>
+  </p:cSld>
+  <p:clrMapOvr>
+    <a:masterClrMapping/>
+  </p:clrMapOvr>
+</p:sld>
+</file>
+
+<file path=ppt/slides/slide3.xml><?xml version="1.0" encoding="utf-8"?>
+<p:sld xmlns:a="http://schemas.openxmlformats.org/drawingml/2006/main" xmlns:r="http://schemas.openxmlformats.org/officeDocument/2006/relationships" xmlns:p="http://schemas.openxmlformats.org/presentationml/2006/main">
+  <p:cSld>
+    <p:spTree>
+      <p:nvGrpSpPr>
+        <p:cNvPr id="1" name=""/>
+        <p:cNvGrpSpPr/>
+        <p:nvPr/>
+      </p:nvGrpSpPr>
+      <p:grpSpPr>
+        <a:xfrm>
+          <a:off x="0" y="0"/>
+          <a:ext cx="0" cy="0"/>
+          <a:chOff x="0" y="0"/>
+          <a:chExt cx="0" cy="0"/>
+        </a:xfrm>
+      </p:grpSpPr>
+      <p:cxnSp>
+        <p:nvCxnSpPr>
+          <p:cNvPr id="19" name="コネクタ: カギ線 18"/>
+          <p:cNvCxnSpPr/>
+          <p:nvPr/>
+        </p:nvCxnSpPr>
+        <p:spPr>
+          <a:xfrm flipV="1">
+            <a:off x="805218" y="2962699"/>
+            <a:ext cx="10481481" cy="1288479"/>
+          </a:xfrm>
+          <a:prstGeom prst="bentConnector3">
+            <a:avLst/>
+          </a:prstGeom>
+          <a:ln w="31750">
+            <a:solidFill>
+              <a:srgbClr val="0005C0"/>
+            </a:solidFill>
+            <a:prstDash val="dashDot"/>
+          </a:ln>
+        </p:spPr>
+        <p:style>
+          <a:lnRef idx="1">
+            <a:schemeClr val="accent1"/>
+          </a:lnRef>
+          <a:fillRef idx="0">
+            <a:schemeClr val="accent1"/>
+          </a:fillRef>
+          <a:effectRef idx="0">
+            <a:schemeClr val="accent1"/>
+          </a:effectRef>
+          <a:fontRef idx="minor">
+            <a:schemeClr val="tx1"/>
+          </a:fontRef>
+        </p:style>
+      </p:cxnSp>
+      <p:sp>
+        <p:nvSpPr>
+          <p:cNvPr id="2" name="タイトル 1"/>
+          <p:cNvSpPr>
+            <a:spLocks noGrp="1"/>
+          </p:cNvSpPr>
+          <p:nvPr>
+            <p:ph type="title"/>
+          </p:nvPr>
+        </p:nvSpPr>
+        <p:spPr>
+          <a:xfrm>
+            <a:off x="1097279" y="286604"/>
+            <a:ext cx="10507975" cy="788218"/>
+          </a:xfrm>
+        </p:spPr>
+        <p:txBody>
+          <a:bodyPr>
+            <a:normAutofit/>
+          </a:bodyPr>
+          <a:lstStyle/>
+          <a:p>
+            <a:r>
+              <a:rPr kumimoji="1" lang="en-US" altLang="ja-JP"/>
+              <a:t>How fscx works? (Overall)</a:t>
+            </a:r>
+            <a:endParaRPr kumimoji="1" lang="ja-JP" altLang="en-US"/>
+          </a:p>
+        </p:txBody>
+      </p:sp>
+      <p:sp>
+        <p:nvSpPr>
+          <p:cNvPr id="4" name="四角形: メモ 3"/>
           <p:cNvSpPr/>
           <p:nvPr/>
         </p:nvSpPr>
         <p:spPr>
           <a:xfrm>
-            <a:off x="6940345" y="3005226"/>
-            <a:ext cx="1036320" cy="601579"/>
+            <a:off x="3386789" y="3033964"/>
+            <a:ext cx="2406316" cy="874295"/>
+          </a:xfrm>
+          <a:prstGeom prst="foldedCorner">
+            <a:avLst>
+              <a:gd name="adj" fmla="val 17756"/>
+            </a:avLst>
+          </a:prstGeom>
+        </p:spPr>
+        <p:style>
+          <a:lnRef idx="2">
+            <a:schemeClr val="accent1">
+              <a:shade val="50000"/>
+            </a:schemeClr>
+          </a:lnRef>
+          <a:fillRef idx="1">
+            <a:schemeClr val="accent1"/>
+          </a:fillRef>
+          <a:effectRef idx="0">
+            <a:schemeClr val="accent1"/>
+          </a:effectRef>
+          <a:fontRef idx="minor">
+            <a:schemeClr val="lt1"/>
+          </a:fontRef>
+        </p:style>
+        <p:txBody>
+          <a:bodyPr rtlCol="0" anchor="ctr"/>
+          <a:lstStyle/>
+          <a:p>
+            <a:pPr algn="ctr"/>
+            <a:r>
+              <a:rPr kumimoji="1" lang="en-US" altLang="ja-JP"/>
+              <a:t>sample-</a:t>
+            </a:r>
+            <a:r>
+              <a:rPr kumimoji="1" lang="en-US" altLang="ja-JP" err="1"/>
+              <a:t>filter.fs</a:t>
+            </a:r>
+            <a:endParaRPr kumimoji="1" lang="en-US" altLang="ja-JP"/>
+          </a:p>
+          <a:p>
+            <a:pPr algn="ctr"/>
+            <a:r>
+              <a:rPr kumimoji="1" lang="en-US" altLang="ja-JP"/>
+              <a:t>sample-</a:t>
+            </a:r>
+            <a:r>
+              <a:rPr kumimoji="1" lang="en-US" altLang="ja-JP" err="1"/>
+              <a:t>filter.fsproj</a:t>
+            </a:r>
+            <a:endParaRPr kumimoji="1" lang="ja-JP" altLang="en-US"/>
+          </a:p>
+        </p:txBody>
+      </p:sp>
+      <p:sp>
+        <p:nvSpPr>
+          <p:cNvPr id="5" name="直方体 4"/>
+          <p:cNvSpPr/>
+          <p:nvPr/>
+        </p:nvSpPr>
+        <p:spPr>
+          <a:xfrm>
+            <a:off x="478155" y="2201781"/>
+            <a:ext cx="3561348" cy="601579"/>
           </a:xfrm>
           <a:prstGeom prst="cube">
             <a:avLst>
-              <a:gd name="adj" fmla="val 13720"/>
+              <a:gd name="adj" fmla="val 8970"/>
             </a:avLst>
           </a:prstGeom>
           <a:solidFill>
@@ -5013,8 +5311,8 @@
           <a:p>
             <a:pPr algn="ctr"/>
             <a:r>
-              <a:rPr kumimoji="1" lang="en-US" altLang="ja-JP"/>
-              <a:t>fscx</a:t>
+              <a:rPr kumimoji="1" lang="en-US" altLang="ja-JP" err="1"/>
+              <a:t>FSharp.Expandable.Compiler.Core</a:t>
             </a:r>
             <a:endParaRPr kumimoji="1" lang="ja-JP" altLang="en-US"/>
           </a:p>
@@ -5022,20 +5320,28 @@
       </p:sp>
       <p:sp>
         <p:nvSpPr>
-          <p:cNvPr id="29" name="四角形: メモ 28"/>
+          <p:cNvPr id="6" name="直方体 5"/>
           <p:cNvSpPr/>
           <p:nvPr/>
         </p:nvSpPr>
         <p:spPr>
           <a:xfrm>
-            <a:off x="6126480" y="5157789"/>
-            <a:ext cx="2581500" cy="874295"/>
-          </a:xfrm>
-          <a:prstGeom prst="foldedCorner">
+            <a:off x="477360" y="1293398"/>
+            <a:ext cx="3561348" cy="601579"/>
+          </a:xfrm>
+          <a:prstGeom prst="cube">
             <a:avLst>
-              <a:gd name="adj" fmla="val 17756"/>
+              <a:gd name="adj" fmla="val 8970"/>
             </a:avLst>
           </a:prstGeom>
+          <a:solidFill>
+            <a:srgbClr val="00B0F0"/>
+          </a:solidFill>
+          <a:ln>
+            <a:solidFill>
+              <a:srgbClr val="0070C0"/>
+            </a:solidFill>
+          </a:ln>
         </p:spPr>
         <p:style>
           <a:lnRef idx="2">
@@ -5059,8 +5365,8 @@
           <a:p>
             <a:pPr algn="ctr"/>
             <a:r>
-              <a:rPr kumimoji="1" lang="en-US" altLang="ja-JP"/>
-              <a:t>ast-filter-target.fsproj</a:t>
+              <a:rPr kumimoji="1" lang="en-US" altLang="ja-JP" err="1"/>
+              <a:t>FSharp.Compiler.Service</a:t>
             </a:r>
             <a:endParaRPr kumimoji="1" lang="ja-JP" altLang="en-US"/>
           </a:p>
@@ -5068,17 +5374,59 @@
       </p:sp>
       <p:cxnSp>
         <p:nvCxnSpPr>
-          <p:cNvPr id="30" name="コネクタ: カギ線 29"/>
+          <p:cNvPr id="8" name="コネクタ: カギ線 7"/>
           <p:cNvCxnSpPr>
-            <a:stCxn id="29" idx="0"/>
-            <a:endCxn id="23" idx="4"/>
+            <a:stCxn id="5" idx="1"/>
+            <a:endCxn id="6" idx="3"/>
           </p:cNvCxnSpPr>
           <p:nvPr/>
         </p:nvCxnSpPr>
         <p:spPr>
           <a:xfrm rot="16200000" flipV="1">
-            <a:off x="6358110" y="4098668"/>
-            <a:ext cx="356617" cy="1761625"/>
+            <a:off x="2051068" y="2074962"/>
+            <a:ext cx="360766" cy="795"/>
+          </a:xfrm>
+          <a:prstGeom prst="bentConnector3">
+            <a:avLst>
+              <a:gd name="adj1" fmla="val 50000"/>
+            </a:avLst>
+          </a:prstGeom>
+          <a:ln w="38100">
+            <a:solidFill>
+              <a:srgbClr val="FF0000"/>
+            </a:solidFill>
+            <a:prstDash val="sysDash"/>
+            <a:tailEnd type="triangle" w="lg" len="lg"/>
+          </a:ln>
+        </p:spPr>
+        <p:style>
+          <a:lnRef idx="1">
+            <a:schemeClr val="accent1"/>
+          </a:lnRef>
+          <a:fillRef idx="0">
+            <a:schemeClr val="accent1"/>
+          </a:fillRef>
+          <a:effectRef idx="0">
+            <a:schemeClr val="accent1"/>
+          </a:effectRef>
+          <a:fontRef idx="minor">
+            <a:schemeClr val="tx1"/>
+          </a:fontRef>
+        </p:style>
+      </p:cxnSp>
+      <p:cxnSp>
+        <p:nvCxnSpPr>
+          <p:cNvPr id="11" name="コネクタ: カギ線 10"/>
+          <p:cNvCxnSpPr>
+            <a:stCxn id="4" idx="0"/>
+            <a:endCxn id="5" idx="4"/>
+          </p:cNvCxnSpPr>
+          <p:nvPr/>
+        </p:nvCxnSpPr>
+        <p:spPr>
+          <a:xfrm rot="16200000" flipV="1">
+            <a:off x="4035538" y="2479555"/>
+            <a:ext cx="504413" cy="604406"/>
           </a:xfrm>
           <a:prstGeom prst="bentConnector2">
             <a:avLst/>
@@ -5105,67 +5453,30 @@
           </a:fontRef>
         </p:style>
       </p:cxnSp>
-      <p:cxnSp>
-        <p:nvCxnSpPr>
-          <p:cNvPr id="33" name="コネクタ: カギ線 32"/>
-          <p:cNvCxnSpPr>
-            <a:stCxn id="29" idx="0"/>
-            <a:endCxn id="26" idx="3"/>
-          </p:cNvCxnSpPr>
+      <p:sp>
+        <p:nvSpPr>
+          <p:cNvPr id="17" name="吹き出し: 角を丸めた四角形 16"/>
+          <p:cNvSpPr/>
           <p:nvPr/>
-        </p:nvCxnSpPr>
-        <p:spPr>
-          <a:xfrm rot="5400000" flipH="1" flipV="1">
-            <a:off x="6641741" y="4382294"/>
-            <a:ext cx="1550984" cy="7"/>
-          </a:xfrm>
-          <a:prstGeom prst="bentConnector3">
+        </p:nvSpPr>
+        <p:spPr>
+          <a:xfrm>
+            <a:off x="5066536" y="2019084"/>
+            <a:ext cx="5743575" cy="554365"/>
+          </a:xfrm>
+          <a:prstGeom prst="wedgeRoundRectCallout">
             <a:avLst>
-              <a:gd name="adj1" fmla="val 50000"/>
+              <a:gd name="adj1" fmla="val -57018"/>
+              <a:gd name="adj2" fmla="val 55955"/>
+              <a:gd name="adj3" fmla="val 16667"/>
             </a:avLst>
           </a:prstGeom>
-          <a:ln w="38100">
-            <a:solidFill>
-              <a:srgbClr val="FF0000"/>
-            </a:solidFill>
-            <a:tailEnd type="triangle" w="lg" len="lg"/>
-          </a:ln>
-        </p:spPr>
-        <p:style>
-          <a:lnRef idx="1">
-            <a:schemeClr val="accent1"/>
-          </a:lnRef>
-          <a:fillRef idx="0">
-            <a:schemeClr val="accent1"/>
-          </a:fillRef>
-          <a:effectRef idx="0">
-            <a:schemeClr val="accent1"/>
-          </a:effectRef>
-          <a:fontRef idx="minor">
-            <a:schemeClr val="tx1"/>
-          </a:fontRef>
-        </p:style>
-      </p:cxnSp>
-      <p:sp>
-        <p:nvSpPr>
-          <p:cNvPr id="44" name="円柱 43"/>
-          <p:cNvSpPr/>
-          <p:nvPr/>
-        </p:nvSpPr>
-        <p:spPr>
-          <a:xfrm>
-            <a:off x="9745517" y="5470109"/>
-            <a:ext cx="1859738" cy="1123950"/>
-          </a:xfrm>
-          <a:prstGeom prst="can">
-            <a:avLst/>
-          </a:prstGeom>
           <a:solidFill>
-            <a:srgbClr val="FF0000"/>
+            <a:srgbClr val="00B050"/>
           </a:solidFill>
           <a:ln>
             <a:solidFill>
-              <a:srgbClr val="C00000"/>
+              <a:srgbClr val="007E0C"/>
             </a:solidFill>
           </a:ln>
         </p:spPr>
@@ -5192,7 +5503,11 @@
             <a:pPr algn="ctr"/>
             <a:r>
               <a:rPr kumimoji="1" lang="en-US" altLang="ja-JP"/>
-              <a:t>Filtered binary</a:t>
+              <a:t>PM&gt; Install-Package </a:t>
+            </a:r>
+            <a:r>
+              <a:rPr kumimoji="1" lang="en-US" altLang="ja-JP" err="1"/>
+              <a:t>FSharp.Expandable.Compiler.Core</a:t>
             </a:r>
             <a:endParaRPr kumimoji="1" lang="ja-JP" altLang="en-US"/>
           </a:p>
@@ -5200,14 +5515,72 @@
       </p:sp>
       <p:sp>
         <p:nvSpPr>
-          <p:cNvPr id="41" name="矢印: 下 40"/>
+          <p:cNvPr id="23" name="直方体 22"/>
           <p:cNvSpPr/>
           <p:nvPr/>
         </p:nvSpPr>
         <p:spPr>
-          <a:xfrm rot="17429209">
-            <a:off x="8873915" y="5121434"/>
-            <a:ext cx="684306" cy="1342452"/>
+          <a:xfrm>
+            <a:off x="3446947" y="4369468"/>
+            <a:ext cx="2286000" cy="930946"/>
+          </a:xfrm>
+          <a:prstGeom prst="cube">
+            <a:avLst>
+              <a:gd name="adj" fmla="val 9783"/>
+            </a:avLst>
+          </a:prstGeom>
+          <a:solidFill>
+            <a:srgbClr val="B17ED8"/>
+          </a:solidFill>
+          <a:ln>
+            <a:solidFill>
+              <a:srgbClr val="7030A0"/>
+            </a:solidFill>
+          </a:ln>
+        </p:spPr>
+        <p:style>
+          <a:lnRef idx="2">
+            <a:schemeClr val="accent1">
+              <a:shade val="50000"/>
+            </a:schemeClr>
+          </a:lnRef>
+          <a:fillRef idx="1">
+            <a:schemeClr val="accent1"/>
+          </a:fillRef>
+          <a:effectRef idx="0">
+            <a:schemeClr val="accent1"/>
+          </a:effectRef>
+          <a:fontRef idx="minor">
+            <a:schemeClr val="lt1"/>
+          </a:fontRef>
+        </p:style>
+        <p:txBody>
+          <a:bodyPr rtlCol="0" anchor="ctr"/>
+          <a:lstStyle/>
+          <a:p>
+            <a:pPr algn="ctr"/>
+            <a:r>
+              <a:rPr kumimoji="1" lang="en-US" altLang="ja-JP"/>
+              <a:t>sample-</a:t>
+            </a:r>
+            <a:r>
+              <a:rPr kumimoji="1" lang="en-US" altLang="ja-JP" err="1"/>
+              <a:t>filter.nupkg</a:t>
+            </a:r>
+            <a:endParaRPr kumimoji="1" lang="ja-JP" altLang="en-US"/>
+          </a:p>
+        </p:txBody>
+      </p:sp>
+      <p:sp>
+        <p:nvSpPr>
+          <p:cNvPr id="22" name="矢印: 下 21"/>
+          <p:cNvSpPr/>
+          <p:nvPr/>
+        </p:nvSpPr>
+        <p:spPr>
+          <a:xfrm>
+            <a:off x="4259169" y="3790950"/>
+            <a:ext cx="684306" cy="875910"/>
           </a:xfrm>
           <a:prstGeom prst="downArrow">
             <a:avLst/>
@@ -5240,13 +5613,339 @@
       </p:sp>
       <p:sp>
         <p:nvSpPr>
+          <p:cNvPr id="24" name="吹き出し: 角を丸めた四角形 23"/>
+          <p:cNvSpPr/>
+          <p:nvPr/>
+        </p:nvSpPr>
+        <p:spPr>
+          <a:xfrm>
+            <a:off x="920809" y="3407472"/>
+            <a:ext cx="2676040" cy="656389"/>
+          </a:xfrm>
+          <a:prstGeom prst="wedgeRoundRectCallout">
+            <a:avLst>
+              <a:gd name="adj1" fmla="val 66442"/>
+              <a:gd name="adj2" fmla="val 45875"/>
+              <a:gd name="adj3" fmla="val 16667"/>
+            </a:avLst>
+          </a:prstGeom>
+          <a:solidFill>
+            <a:srgbClr val="00B050"/>
+          </a:solidFill>
+          <a:ln>
+            <a:solidFill>
+              <a:srgbClr val="007E0C"/>
+            </a:solidFill>
+          </a:ln>
+        </p:spPr>
+        <p:style>
+          <a:lnRef idx="2">
+            <a:schemeClr val="accent1">
+              <a:shade val="50000"/>
+            </a:schemeClr>
+          </a:lnRef>
+          <a:fillRef idx="1">
+            <a:schemeClr val="accent1"/>
+          </a:fillRef>
+          <a:effectRef idx="0">
+            <a:schemeClr val="accent1"/>
+          </a:effectRef>
+          <a:fontRef idx="minor">
+            <a:schemeClr val="lt1"/>
+          </a:fontRef>
+        </p:style>
+        <p:txBody>
+          <a:bodyPr rtlCol="0" anchor="ctr"/>
+          <a:lstStyle/>
+          <a:p>
+            <a:pPr algn="ctr"/>
+            <a:r>
+              <a:rPr kumimoji="1" lang="en-US" altLang="ja-JP"/>
+              <a:t>nuget.exe pack sample-filter.nuspec</a:t>
+            </a:r>
+            <a:endParaRPr kumimoji="1" lang="ja-JP" altLang="en-US"/>
+          </a:p>
+        </p:txBody>
+      </p:sp>
+      <p:sp>
+        <p:nvSpPr>
+          <p:cNvPr id="26" name="直方体 25"/>
+          <p:cNvSpPr/>
+          <p:nvPr/>
+        </p:nvSpPr>
+        <p:spPr>
+          <a:xfrm>
+            <a:off x="6331699" y="3250518"/>
+            <a:ext cx="3785934" cy="601579"/>
+          </a:xfrm>
+          <a:prstGeom prst="cube">
+            <a:avLst>
+              <a:gd name="adj" fmla="val 13720"/>
+            </a:avLst>
+          </a:prstGeom>
+          <a:solidFill>
+            <a:srgbClr val="00B0F0"/>
+          </a:solidFill>
+          <a:ln>
+            <a:solidFill>
+              <a:srgbClr val="0070C0"/>
+            </a:solidFill>
+          </a:ln>
+        </p:spPr>
+        <p:style>
+          <a:lnRef idx="2">
+            <a:schemeClr val="accent1">
+              <a:shade val="50000"/>
+            </a:schemeClr>
+          </a:lnRef>
+          <a:fillRef idx="1">
+            <a:schemeClr val="accent1"/>
+          </a:fillRef>
+          <a:effectRef idx="0">
+            <a:schemeClr val="accent1"/>
+          </a:effectRef>
+          <a:fontRef idx="minor">
+            <a:schemeClr val="lt1"/>
+          </a:fontRef>
+        </p:style>
+        <p:txBody>
+          <a:bodyPr rtlCol="0" anchor="ctr"/>
+          <a:lstStyle/>
+          <a:p>
+            <a:pPr algn="ctr"/>
+            <a:r>
+              <a:rPr kumimoji="1" lang="en-US" altLang="ja-JP"/>
+              <a:t>FSharp.Expandable.Compiler.Build</a:t>
+            </a:r>
+            <a:endParaRPr kumimoji="1" lang="ja-JP" altLang="en-US"/>
+          </a:p>
+        </p:txBody>
+      </p:sp>
+      <p:sp>
+        <p:nvSpPr>
+          <p:cNvPr id="29" name="四角形: メモ 28"/>
+          <p:cNvSpPr/>
+          <p:nvPr/>
+        </p:nvSpPr>
+        <p:spPr>
+          <a:xfrm>
+            <a:off x="6112832" y="5355512"/>
+            <a:ext cx="2581500" cy="874295"/>
+          </a:xfrm>
+          <a:prstGeom prst="foldedCorner">
+            <a:avLst>
+              <a:gd name="adj" fmla="val 17756"/>
+            </a:avLst>
+          </a:prstGeom>
+        </p:spPr>
+        <p:style>
+          <a:lnRef idx="2">
+            <a:schemeClr val="accent1">
+              <a:shade val="50000"/>
+            </a:schemeClr>
+          </a:lnRef>
+          <a:fillRef idx="1">
+            <a:schemeClr val="accent1"/>
+          </a:fillRef>
+          <a:effectRef idx="0">
+            <a:schemeClr val="accent1"/>
+          </a:effectRef>
+          <a:fontRef idx="minor">
+            <a:schemeClr val="lt1"/>
+          </a:fontRef>
+        </p:style>
+        <p:txBody>
+          <a:bodyPr rtlCol="0" anchor="ctr"/>
+          <a:lstStyle/>
+          <a:p>
+            <a:pPr algn="ctr"/>
+            <a:r>
+              <a:rPr kumimoji="1" lang="en-US" altLang="ja-JP"/>
+              <a:t>ast-filter-target.fsproj</a:t>
+            </a:r>
+            <a:endParaRPr kumimoji="1" lang="ja-JP" altLang="en-US"/>
+          </a:p>
+        </p:txBody>
+      </p:sp>
+      <p:cxnSp>
+        <p:nvCxnSpPr>
+          <p:cNvPr id="30" name="コネクタ: カギ線 29"/>
+          <p:cNvCxnSpPr>
+            <a:stCxn id="29" idx="0"/>
+            <a:endCxn id="23" idx="4"/>
+          </p:cNvCxnSpPr>
+          <p:nvPr/>
+        </p:nvCxnSpPr>
+        <p:spPr>
+          <a:xfrm rot="16200000" flipV="1">
+            <a:off x="6285211" y="4237140"/>
+            <a:ext cx="475034" cy="1761709"/>
+          </a:xfrm>
+          <a:prstGeom prst="bentConnector2">
+            <a:avLst/>
+          </a:prstGeom>
+          <a:ln w="38100">
+            <a:solidFill>
+              <a:srgbClr val="FF0000"/>
+            </a:solidFill>
+            <a:tailEnd type="triangle" w="lg" len="lg"/>
+          </a:ln>
+        </p:spPr>
+        <p:style>
+          <a:lnRef idx="1">
+            <a:schemeClr val="accent1"/>
+          </a:lnRef>
+          <a:fillRef idx="0">
+            <a:schemeClr val="accent1"/>
+          </a:fillRef>
+          <a:effectRef idx="0">
+            <a:schemeClr val="accent1"/>
+          </a:effectRef>
+          <a:fontRef idx="minor">
+            <a:schemeClr val="tx1"/>
+          </a:fontRef>
+        </p:style>
+      </p:cxnSp>
+      <p:cxnSp>
+        <p:nvCxnSpPr>
+          <p:cNvPr id="33" name="コネクタ: カギ線 32"/>
+          <p:cNvCxnSpPr>
+            <a:endCxn id="26" idx="3"/>
+          </p:cNvCxnSpPr>
+          <p:nvPr/>
+        </p:nvCxnSpPr>
+        <p:spPr>
+          <a:xfrm flipV="1">
+            <a:off x="5755697" y="3852097"/>
+            <a:ext cx="2427701" cy="638289"/>
+          </a:xfrm>
+          <a:prstGeom prst="bentConnector2">
+            <a:avLst/>
+          </a:prstGeom>
+          <a:ln w="38100">
+            <a:solidFill>
+              <a:srgbClr val="FF0000"/>
+            </a:solidFill>
+            <a:prstDash val="sysDash"/>
+            <a:tailEnd type="triangle" w="lg" len="lg"/>
+          </a:ln>
+        </p:spPr>
+        <p:style>
+          <a:lnRef idx="1">
+            <a:schemeClr val="accent1"/>
+          </a:lnRef>
+          <a:fillRef idx="0">
+            <a:schemeClr val="accent1"/>
+          </a:fillRef>
+          <a:effectRef idx="0">
+            <a:schemeClr val="accent1"/>
+          </a:effectRef>
+          <a:fontRef idx="minor">
+            <a:schemeClr val="tx1"/>
+          </a:fontRef>
+        </p:style>
+      </p:cxnSp>
+      <p:sp>
+        <p:nvSpPr>
+          <p:cNvPr id="44" name="円柱 43"/>
+          <p:cNvSpPr/>
+          <p:nvPr/>
+        </p:nvSpPr>
+        <p:spPr>
+          <a:xfrm>
+            <a:off x="9745517" y="5470109"/>
+            <a:ext cx="1859738" cy="1123950"/>
+          </a:xfrm>
+          <a:prstGeom prst="can">
+            <a:avLst/>
+          </a:prstGeom>
+          <a:solidFill>
+            <a:srgbClr val="FF0000"/>
+          </a:solidFill>
+          <a:ln>
+            <a:solidFill>
+              <a:srgbClr val="C00000"/>
+            </a:solidFill>
+          </a:ln>
+        </p:spPr>
+        <p:style>
+          <a:lnRef idx="2">
+            <a:schemeClr val="accent1">
+              <a:shade val="50000"/>
+            </a:schemeClr>
+          </a:lnRef>
+          <a:fillRef idx="1">
+            <a:schemeClr val="accent1"/>
+          </a:fillRef>
+          <a:effectRef idx="0">
+            <a:schemeClr val="accent1"/>
+          </a:effectRef>
+          <a:fontRef idx="minor">
+            <a:schemeClr val="lt1"/>
+          </a:fontRef>
+        </p:style>
+        <p:txBody>
+          <a:bodyPr rtlCol="0" anchor="ctr"/>
+          <a:lstStyle/>
+          <a:p>
+            <a:pPr algn="ctr"/>
+            <a:r>
+              <a:rPr kumimoji="1" lang="en-US" altLang="ja-JP"/>
+              <a:t>Filtered binary</a:t>
+            </a:r>
+            <a:endParaRPr kumimoji="1" lang="ja-JP" altLang="en-US"/>
+          </a:p>
+        </p:txBody>
+      </p:sp>
+      <p:sp>
+        <p:nvSpPr>
+          <p:cNvPr id="41" name="矢印: 下 40"/>
+          <p:cNvSpPr/>
+          <p:nvPr/>
+        </p:nvSpPr>
+        <p:spPr>
+          <a:xfrm rot="17429209">
+            <a:off x="8873915" y="5121434"/>
+            <a:ext cx="684306" cy="1342452"/>
+          </a:xfrm>
+          <a:prstGeom prst="downArrow">
+            <a:avLst/>
+          </a:prstGeom>
+        </p:spPr>
+        <p:style>
+          <a:lnRef idx="2">
+            <a:schemeClr val="accent4">
+              <a:shade val="50000"/>
+            </a:schemeClr>
+          </a:lnRef>
+          <a:fillRef idx="1">
+            <a:schemeClr val="accent4"/>
+          </a:fillRef>
+          <a:effectRef idx="0">
+            <a:schemeClr val="accent4"/>
+          </a:effectRef>
+          <a:fontRef idx="minor">
+            <a:schemeClr val="lt1"/>
+          </a:fontRef>
+        </p:style>
+        <p:txBody>
+          <a:bodyPr rtlCol="0" anchor="ctr"/>
+          <a:lstStyle/>
+          <a:p>
+            <a:pPr algn="ctr"/>
+            <a:endParaRPr kumimoji="1" lang="ja-JP" altLang="en-US"/>
+          </a:p>
+        </p:txBody>
+      </p:sp>
+      <p:sp>
+        <p:nvSpPr>
           <p:cNvPr id="45" name="吹き出し: 角を丸めた四角形 44"/>
           <p:cNvSpPr/>
           <p:nvPr/>
         </p:nvSpPr>
         <p:spPr>
           <a:xfrm>
-            <a:off x="7838347" y="4326240"/>
+            <a:off x="7844067" y="4666860"/>
             <a:ext cx="4105275" cy="554365"/>
           </a:xfrm>
           <a:prstGeom prst="wedgeRoundRectCallout">
